--- a/applis/Zygo-labwork_v3/docs/Zygo_Appli.pptx
+++ b/applis/Zygo-labwork_v3/docs/Zygo_Appli.pptx
@@ -3595,12 +3595,16 @@
         <p:spPr>
           <a:xfrm>
             <a:off x="3320834" y="1444278"/>
-            <a:ext cx="7386790" cy="307777"/>
-          </a:xfrm>
-          <a:prstGeom prst="rect">
-            <a:avLst/>
-          </a:prstGeom>
-          <a:noFill/>
+            <a:ext cx="5914606" cy="1169551"/>
+          </a:xfrm>
+          <a:prstGeom prst="rect">
+            <a:avLst/>
+          </a:prstGeom>
+          <a:solidFill>
+            <a:schemeClr val="bg1">
+              <a:lumMod val="95000"/>
+            </a:schemeClr>
+          </a:solidFill>
         </p:spPr>
         <p:txBody>
           <a:bodyPr wrap="square">
@@ -3608,17 +3612,17 @@
           </a:bodyPr>
           <a:lstStyle/>
           <a:p>
-            <a:r>
-              <a:rPr lang="fr-FR" sz="1400" dirty="0"/>
-              <a:t>Camera, </a:t>
-            </a:r>
-            <a:r>
-              <a:rPr lang="fr-FR" sz="1400" dirty="0" err="1"/>
-              <a:t>Piezo</a:t>
-            </a:r>
-            <a:r>
-              <a:rPr lang="fr-FR" sz="1400" dirty="0"/>
-              <a:t>, Zoom for acquisition, Simple Acquisition, Multiple Acquisition</a:t>
+            <a:pPr algn="just"/>
+            <a:r>
+              <a:rPr lang="en-US" sz="1400" dirty="0"/>
+              <a:t>Images are intensity measurements of interferences. A set of 5 images is necessary to be demodulated by the Hariharan phase demodulation algorithm.</a:t>
+            </a:r>
+          </a:p>
+          <a:p>
+            <a:pPr algn="just"/>
+            <a:r>
+              <a:rPr lang="en-US" sz="1400" dirty="0"/>
+              <a:t>They can be obtained by Acquisition process (required Hardware) or by opening a MAT file.</a:t>
             </a:r>
           </a:p>
         </p:txBody>
@@ -3653,6 +3657,784 @@
           </a:prstGeom>
         </p:spPr>
       </p:pic>
+      <p:sp>
+        <p:nvSpPr>
+          <p:cNvPr id="5" name="ZoneTexte 4">
+            <a:extLst>
+              <a:ext uri="{FF2B5EF4-FFF2-40B4-BE49-F238E27FC236}">
+                <a16:creationId xmlns:a16="http://schemas.microsoft.com/office/drawing/2014/main" id="{76BF790E-E2B4-4466-7F37-82809310B8D3}"/>
+              </a:ext>
+            </a:extLst>
+          </p:cNvPr>
+          <p:cNvSpPr txBox="1"/>
+          <p:nvPr/>
+        </p:nvSpPr>
+        <p:spPr>
+          <a:xfrm>
+            <a:off x="9386472" y="2665583"/>
+            <a:ext cx="2450157" cy="1200329"/>
+          </a:xfrm>
+          <a:prstGeom prst="rect">
+            <a:avLst/>
+          </a:prstGeom>
+          <a:solidFill>
+            <a:schemeClr val="bg1">
+              <a:lumMod val="95000"/>
+            </a:schemeClr>
+          </a:solidFill>
+        </p:spPr>
+        <p:txBody>
+          <a:bodyPr wrap="square">
+            <a:spAutoFit/>
+          </a:bodyPr>
+          <a:lstStyle/>
+          <a:p>
+            <a:pPr algn="just"/>
+            <a:r>
+              <a:rPr lang="en-US" sz="1200" i="1" dirty="0"/>
+              <a:t>Data can be stored in MAT file, containing "Images" (set of 5 arrays in 2 dimensions), "Masks" objects (array(s) in 2 dimensions - same size as images) and "</a:t>
+            </a:r>
+            <a:r>
+              <a:rPr lang="en-US" sz="1200" i="1" dirty="0" err="1"/>
+              <a:t>Masks_Type</a:t>
+            </a:r>
+            <a:r>
+              <a:rPr lang="en-US" sz="1200" i="1" dirty="0"/>
+              <a:t>" list.</a:t>
+            </a:r>
+            <a:endParaRPr lang="fr-FR" sz="1200" i="1" dirty="0"/>
+          </a:p>
+        </p:txBody>
+      </p:sp>
+      <p:sp>
+        <p:nvSpPr>
+          <p:cNvPr id="9" name="Rectangle 8">
+            <a:extLst>
+              <a:ext uri="{FF2B5EF4-FFF2-40B4-BE49-F238E27FC236}">
+                <a16:creationId xmlns:a16="http://schemas.microsoft.com/office/drawing/2014/main" id="{D5DE10E9-CD23-06BA-478C-859356F92532}"/>
+              </a:ext>
+            </a:extLst>
+          </p:cNvPr>
+          <p:cNvSpPr/>
+          <p:nvPr/>
+        </p:nvSpPr>
+        <p:spPr>
+          <a:xfrm>
+            <a:off x="3320834" y="2812830"/>
+            <a:ext cx="1472107" cy="307777"/>
+          </a:xfrm>
+          <a:prstGeom prst="rect">
+            <a:avLst/>
+          </a:prstGeom>
+          <a:solidFill>
+            <a:schemeClr val="bg2"/>
+          </a:solidFill>
+        </p:spPr>
+        <p:style>
+          <a:lnRef idx="2">
+            <a:schemeClr val="accent1">
+              <a:shade val="15000"/>
+            </a:schemeClr>
+          </a:lnRef>
+          <a:fillRef idx="1">
+            <a:schemeClr val="accent1"/>
+          </a:fillRef>
+          <a:effectRef idx="0">
+            <a:schemeClr val="accent1"/>
+          </a:effectRef>
+          <a:fontRef idx="minor">
+            <a:schemeClr val="lt1"/>
+          </a:fontRef>
+        </p:style>
+        <p:txBody>
+          <a:bodyPr rtlCol="0" anchor="ctr"/>
+          <a:lstStyle/>
+          <a:p>
+            <a:pPr algn="ctr"/>
+            <a:r>
+              <a:rPr lang="en-US" sz="1400" dirty="0">
+                <a:solidFill>
+                  <a:schemeClr val="tx1"/>
+                </a:solidFill>
+              </a:rPr>
+              <a:t>Acquisition</a:t>
+            </a:r>
+          </a:p>
+        </p:txBody>
+      </p:sp>
+      <p:sp>
+        <p:nvSpPr>
+          <p:cNvPr id="10" name="ZoneTexte 9">
+            <a:extLst>
+              <a:ext uri="{FF2B5EF4-FFF2-40B4-BE49-F238E27FC236}">
+                <a16:creationId xmlns:a16="http://schemas.microsoft.com/office/drawing/2014/main" id="{20259D0E-984E-122A-8119-1E48D83867B4}"/>
+              </a:ext>
+            </a:extLst>
+          </p:cNvPr>
+          <p:cNvSpPr txBox="1"/>
+          <p:nvPr/>
+        </p:nvSpPr>
+        <p:spPr>
+          <a:xfrm>
+            <a:off x="4890554" y="2812830"/>
+            <a:ext cx="4344886" cy="954107"/>
+          </a:xfrm>
+          <a:prstGeom prst="rect">
+            <a:avLst/>
+          </a:prstGeom>
+          <a:solidFill>
+            <a:schemeClr val="bg1">
+              <a:lumMod val="95000"/>
+            </a:schemeClr>
+          </a:solidFill>
+        </p:spPr>
+        <p:txBody>
+          <a:bodyPr wrap="square">
+            <a:spAutoFit/>
+          </a:bodyPr>
+          <a:lstStyle/>
+          <a:p>
+            <a:pPr algn="just"/>
+            <a:r>
+              <a:rPr lang="en-US" sz="1400" dirty="0"/>
+              <a:t>A set of 5 images are acquired through an IDS camera after moving a piezo actuator at 5 different position : </a:t>
+            </a:r>
+            <a:br>
+              <a:rPr lang="en-US" sz="1400" dirty="0"/>
+            </a:br>
+            <a:r>
+              <a:rPr lang="en-US" sz="1400" dirty="0"/>
+              <a:t>0, </a:t>
+            </a:r>
+            <a:r>
+              <a:rPr lang="el-GR" sz="1400" dirty="0">
+                <a:latin typeface="Arial" panose="020B0604020202020204" pitchFamily="34" charset="0"/>
+                <a:cs typeface="Arial" panose="020B0604020202020204" pitchFamily="34" charset="0"/>
+              </a:rPr>
+              <a:t>λ</a:t>
+            </a:r>
+            <a:r>
+              <a:rPr lang="en-US" sz="1400" dirty="0"/>
+              <a:t>/4, </a:t>
+            </a:r>
+            <a:r>
+              <a:rPr lang="el-GR" sz="1400" dirty="0">
+                <a:latin typeface="Arial" panose="020B0604020202020204" pitchFamily="34" charset="0"/>
+                <a:cs typeface="Arial" panose="020B0604020202020204" pitchFamily="34" charset="0"/>
+              </a:rPr>
+              <a:t>λ </a:t>
+            </a:r>
+            <a:r>
+              <a:rPr lang="en-US" sz="1400" dirty="0"/>
+              <a:t>/2, 3 </a:t>
+            </a:r>
+            <a:r>
+              <a:rPr lang="el-GR" sz="1400" dirty="0">
+                <a:latin typeface="Arial" panose="020B0604020202020204" pitchFamily="34" charset="0"/>
+                <a:cs typeface="Arial" panose="020B0604020202020204" pitchFamily="34" charset="0"/>
+              </a:rPr>
+              <a:t>λ</a:t>
+            </a:r>
+            <a:r>
+              <a:rPr lang="en-US" sz="1400" dirty="0"/>
+              <a:t>/4, </a:t>
+            </a:r>
+            <a:r>
+              <a:rPr lang="el-GR" sz="1400" dirty="0">
+                <a:latin typeface="Arial" panose="020B0604020202020204" pitchFamily="34" charset="0"/>
+                <a:cs typeface="Arial" panose="020B0604020202020204" pitchFamily="34" charset="0"/>
+              </a:rPr>
+              <a:t>λ</a:t>
+            </a:r>
+            <a:r>
+              <a:rPr lang="en-US" sz="1400" dirty="0"/>
+              <a:t> - where </a:t>
+            </a:r>
+            <a:r>
+              <a:rPr lang="el-GR" sz="1400" dirty="0">
+                <a:latin typeface="Arial" panose="020B0604020202020204" pitchFamily="34" charset="0"/>
+                <a:cs typeface="Arial" panose="020B0604020202020204" pitchFamily="34" charset="0"/>
+              </a:rPr>
+              <a:t>λ</a:t>
+            </a:r>
+            <a:r>
+              <a:rPr lang="en-US" sz="1400" dirty="0"/>
+              <a:t> is the wavelength of the source. Optical system must be aligned !</a:t>
+            </a:r>
+          </a:p>
+        </p:txBody>
+      </p:sp>
+      <p:sp>
+        <p:nvSpPr>
+          <p:cNvPr id="11" name="Rectangle 10">
+            <a:extLst>
+              <a:ext uri="{FF2B5EF4-FFF2-40B4-BE49-F238E27FC236}">
+                <a16:creationId xmlns:a16="http://schemas.microsoft.com/office/drawing/2014/main" id="{39261534-2854-EFE5-BD58-081B83ECA6D6}"/>
+              </a:ext>
+            </a:extLst>
+          </p:cNvPr>
+          <p:cNvSpPr/>
+          <p:nvPr/>
+        </p:nvSpPr>
+        <p:spPr>
+          <a:xfrm>
+            <a:off x="1664284" y="4714497"/>
+            <a:ext cx="1472107" cy="307777"/>
+          </a:xfrm>
+          <a:prstGeom prst="rect">
+            <a:avLst/>
+          </a:prstGeom>
+          <a:solidFill>
+            <a:schemeClr val="bg2"/>
+          </a:solidFill>
+        </p:spPr>
+        <p:style>
+          <a:lnRef idx="2">
+            <a:schemeClr val="accent1">
+              <a:shade val="15000"/>
+            </a:schemeClr>
+          </a:lnRef>
+          <a:fillRef idx="1">
+            <a:schemeClr val="accent1"/>
+          </a:fillRef>
+          <a:effectRef idx="0">
+            <a:schemeClr val="accent1"/>
+          </a:effectRef>
+          <a:fontRef idx="minor">
+            <a:schemeClr val="lt1"/>
+          </a:fontRef>
+        </p:style>
+        <p:txBody>
+          <a:bodyPr rtlCol="0" anchor="ctr"/>
+          <a:lstStyle/>
+          <a:p>
+            <a:pPr algn="ctr"/>
+            <a:r>
+              <a:rPr lang="en-US" sz="1400" dirty="0">
+                <a:solidFill>
+                  <a:schemeClr val="tx1"/>
+                </a:solidFill>
+              </a:rPr>
+              <a:t>Process Phase</a:t>
+            </a:r>
+          </a:p>
+        </p:txBody>
+      </p:sp>
+      <p:sp>
+        <p:nvSpPr>
+          <p:cNvPr id="12" name="ZoneTexte 11">
+            <a:extLst>
+              <a:ext uri="{FF2B5EF4-FFF2-40B4-BE49-F238E27FC236}">
+                <a16:creationId xmlns:a16="http://schemas.microsoft.com/office/drawing/2014/main" id="{9063ED65-5CB9-10B1-D920-EF962D1BABBF}"/>
+              </a:ext>
+            </a:extLst>
+          </p:cNvPr>
+          <p:cNvSpPr txBox="1"/>
+          <p:nvPr/>
+        </p:nvSpPr>
+        <p:spPr>
+          <a:xfrm>
+            <a:off x="3320834" y="4723712"/>
+            <a:ext cx="5914606" cy="954107"/>
+          </a:xfrm>
+          <a:prstGeom prst="rect">
+            <a:avLst/>
+          </a:prstGeom>
+          <a:solidFill>
+            <a:schemeClr val="bg1">
+              <a:lumMod val="95000"/>
+            </a:schemeClr>
+          </a:solidFill>
+        </p:spPr>
+        <p:txBody>
+          <a:bodyPr wrap="square">
+            <a:spAutoFit/>
+          </a:bodyPr>
+          <a:lstStyle/>
+          <a:p>
+            <a:pPr algn="just"/>
+            <a:r>
+              <a:rPr lang="en-US" sz="1400" dirty="0"/>
+              <a:t>Images are masked and then used for processing phase (wavefront) by the Hariharan phase demodulation algorithm.</a:t>
+            </a:r>
+          </a:p>
+          <a:p>
+            <a:pPr algn="just"/>
+            <a:r>
+              <a:rPr lang="en-US" sz="1400" dirty="0"/>
+              <a:t>A first step calculates the wrapped phase. A second step calculates the unwrapped phase.</a:t>
+            </a:r>
+          </a:p>
+        </p:txBody>
+      </p:sp>
+      <p:sp>
+        <p:nvSpPr>
+          <p:cNvPr id="13" name="Rectangle 12">
+            <a:extLst>
+              <a:ext uri="{FF2B5EF4-FFF2-40B4-BE49-F238E27FC236}">
+                <a16:creationId xmlns:a16="http://schemas.microsoft.com/office/drawing/2014/main" id="{7A04A81D-0076-298C-325D-A7121A906C2E}"/>
+              </a:ext>
+            </a:extLst>
+          </p:cNvPr>
+          <p:cNvSpPr/>
+          <p:nvPr/>
+        </p:nvSpPr>
+        <p:spPr>
+          <a:xfrm>
+            <a:off x="1664284" y="3950027"/>
+            <a:ext cx="1472107" cy="307777"/>
+          </a:xfrm>
+          <a:prstGeom prst="rect">
+            <a:avLst/>
+          </a:prstGeom>
+          <a:solidFill>
+            <a:schemeClr val="bg2"/>
+          </a:solidFill>
+        </p:spPr>
+        <p:style>
+          <a:lnRef idx="2">
+            <a:schemeClr val="accent1">
+              <a:shade val="15000"/>
+            </a:schemeClr>
+          </a:lnRef>
+          <a:fillRef idx="1">
+            <a:schemeClr val="accent1"/>
+          </a:fillRef>
+          <a:effectRef idx="0">
+            <a:schemeClr val="accent1"/>
+          </a:effectRef>
+          <a:fontRef idx="minor">
+            <a:schemeClr val="lt1"/>
+          </a:fontRef>
+        </p:style>
+        <p:txBody>
+          <a:bodyPr rtlCol="0" anchor="ctr"/>
+          <a:lstStyle/>
+          <a:p>
+            <a:pPr algn="ctr"/>
+            <a:r>
+              <a:rPr lang="en-US" sz="1400" dirty="0">
+                <a:solidFill>
+                  <a:schemeClr val="tx1"/>
+                </a:solidFill>
+              </a:rPr>
+              <a:t>Add Masks</a:t>
+            </a:r>
+          </a:p>
+        </p:txBody>
+      </p:sp>
+      <p:sp>
+        <p:nvSpPr>
+          <p:cNvPr id="14" name="ZoneTexte 13">
+            <a:extLst>
+              <a:ext uri="{FF2B5EF4-FFF2-40B4-BE49-F238E27FC236}">
+                <a16:creationId xmlns:a16="http://schemas.microsoft.com/office/drawing/2014/main" id="{79A563A5-C482-4E22-0680-81D74A7023D3}"/>
+              </a:ext>
+            </a:extLst>
+          </p:cNvPr>
+          <p:cNvSpPr txBox="1"/>
+          <p:nvPr/>
+        </p:nvSpPr>
+        <p:spPr>
+          <a:xfrm>
+            <a:off x="3320834" y="3945822"/>
+            <a:ext cx="5914606" cy="523220"/>
+          </a:xfrm>
+          <a:prstGeom prst="rect">
+            <a:avLst/>
+          </a:prstGeom>
+          <a:solidFill>
+            <a:schemeClr val="bg1">
+              <a:lumMod val="95000"/>
+            </a:schemeClr>
+          </a:solidFill>
+        </p:spPr>
+        <p:txBody>
+          <a:bodyPr wrap="square">
+            <a:spAutoFit/>
+          </a:bodyPr>
+          <a:lstStyle/>
+          <a:p>
+            <a:pPr algn="just"/>
+            <a:r>
+              <a:rPr lang="en-US" sz="1400" dirty="0"/>
+              <a:t>Masks allow to select a part of the images. A set of different masks can be added (circular, rectangular, polygonal).</a:t>
+            </a:r>
+          </a:p>
+        </p:txBody>
+      </p:sp>
+      <p:sp>
+        <p:nvSpPr>
+          <p:cNvPr id="15" name="Rectangle 14">
+            <a:extLst>
+              <a:ext uri="{FF2B5EF4-FFF2-40B4-BE49-F238E27FC236}">
+                <a16:creationId xmlns:a16="http://schemas.microsoft.com/office/drawing/2014/main" id="{8122E8DD-BCF1-C10F-CD27-9680E107412B}"/>
+              </a:ext>
+            </a:extLst>
+          </p:cNvPr>
+          <p:cNvSpPr/>
+          <p:nvPr/>
+        </p:nvSpPr>
+        <p:spPr>
+          <a:xfrm>
+            <a:off x="1664284" y="5735289"/>
+            <a:ext cx="1472107" cy="307777"/>
+          </a:xfrm>
+          <a:prstGeom prst="rect">
+            <a:avLst/>
+          </a:prstGeom>
+          <a:solidFill>
+            <a:schemeClr val="bg2"/>
+          </a:solidFill>
+        </p:spPr>
+        <p:style>
+          <a:lnRef idx="2">
+            <a:schemeClr val="accent1">
+              <a:shade val="15000"/>
+            </a:schemeClr>
+          </a:lnRef>
+          <a:fillRef idx="1">
+            <a:schemeClr val="accent1"/>
+          </a:fillRef>
+          <a:effectRef idx="0">
+            <a:schemeClr val="accent1"/>
+          </a:effectRef>
+          <a:fontRef idx="minor">
+            <a:schemeClr val="lt1"/>
+          </a:fontRef>
+        </p:style>
+        <p:txBody>
+          <a:bodyPr rtlCol="0" anchor="ctr"/>
+          <a:lstStyle/>
+          <a:p>
+            <a:pPr algn="ctr"/>
+            <a:r>
+              <a:rPr lang="en-US" sz="1400" dirty="0">
+                <a:solidFill>
+                  <a:schemeClr val="tx1"/>
+                </a:solidFill>
+              </a:rPr>
+              <a:t>Analyses</a:t>
+            </a:r>
+          </a:p>
+        </p:txBody>
+      </p:sp>
+      <p:sp>
+        <p:nvSpPr>
+          <p:cNvPr id="16" name="ZoneTexte 15">
+            <a:extLst>
+              <a:ext uri="{FF2B5EF4-FFF2-40B4-BE49-F238E27FC236}">
+                <a16:creationId xmlns:a16="http://schemas.microsoft.com/office/drawing/2014/main" id="{B66A0067-2AC2-D39F-F704-C12830B3A512}"/>
+              </a:ext>
+            </a:extLst>
+          </p:cNvPr>
+          <p:cNvSpPr txBox="1"/>
+          <p:nvPr/>
+        </p:nvSpPr>
+        <p:spPr>
+          <a:xfrm>
+            <a:off x="3320834" y="5744504"/>
+            <a:ext cx="5914606" cy="954107"/>
+          </a:xfrm>
+          <a:prstGeom prst="rect">
+            <a:avLst/>
+          </a:prstGeom>
+          <a:solidFill>
+            <a:schemeClr val="bg1">
+              <a:lumMod val="95000"/>
+            </a:schemeClr>
+          </a:solidFill>
+        </p:spPr>
+        <p:txBody>
+          <a:bodyPr wrap="square">
+            <a:spAutoFit/>
+          </a:bodyPr>
+          <a:lstStyle/>
+          <a:p>
+            <a:pPr algn="just"/>
+            <a:r>
+              <a:rPr lang="en-US" sz="1400" dirty="0"/>
+              <a:t>Different kinds of analyses can be performed on the wavefront :</a:t>
+            </a:r>
+          </a:p>
+          <a:p>
+            <a:pPr marL="285750" indent="-285750" algn="just">
+              <a:buFontTx/>
+              <a:buChar char="-"/>
+            </a:pPr>
+            <a:r>
+              <a:rPr lang="en-US" sz="1400" dirty="0"/>
+              <a:t>Simple view of the wavefront (2D or 3D)</a:t>
+            </a:r>
+          </a:p>
+          <a:p>
+            <a:pPr marL="285750" indent="-285750" algn="just">
+              <a:buFontTx/>
+              <a:buChar char="-"/>
+            </a:pPr>
+            <a:r>
+              <a:rPr lang="en-US" sz="1400" dirty="0"/>
+              <a:t>Correction of the wavefront (based on Zernike coefficients)</a:t>
+            </a:r>
+          </a:p>
+          <a:p>
+            <a:pPr marL="285750" indent="-285750" algn="just">
+              <a:buFontTx/>
+              <a:buChar char="-"/>
+            </a:pPr>
+            <a:r>
+              <a:rPr lang="en-US" sz="1400" dirty="0"/>
+              <a:t>PSF, MTF, circled energy calculations and displays</a:t>
+            </a:r>
+          </a:p>
+        </p:txBody>
+      </p:sp>
+      <p:cxnSp>
+        <p:nvCxnSpPr>
+          <p:cNvPr id="18" name="Connecteur droit avec flèche 17">
+            <a:extLst>
+              <a:ext uri="{FF2B5EF4-FFF2-40B4-BE49-F238E27FC236}">
+                <a16:creationId xmlns:a16="http://schemas.microsoft.com/office/drawing/2014/main" id="{2401E35B-10BD-C4BA-A456-4D29B51623A0}"/>
+              </a:ext>
+            </a:extLst>
+          </p:cNvPr>
+          <p:cNvCxnSpPr>
+            <a:stCxn id="23" idx="2"/>
+            <a:endCxn id="13" idx="0"/>
+          </p:cNvCxnSpPr>
+          <p:nvPr/>
+        </p:nvCxnSpPr>
+        <p:spPr>
+          <a:xfrm flipH="1">
+            <a:off x="2400338" y="1752055"/>
+            <a:ext cx="1" cy="2197972"/>
+          </a:xfrm>
+          <a:prstGeom prst="straightConnector1">
+            <a:avLst/>
+          </a:prstGeom>
+          <a:ln>
+            <a:prstDash val="dash"/>
+            <a:tailEnd type="triangle"/>
+          </a:ln>
+        </p:spPr>
+        <p:style>
+          <a:lnRef idx="2">
+            <a:schemeClr val="accent1"/>
+          </a:lnRef>
+          <a:fillRef idx="0">
+            <a:schemeClr val="accent1"/>
+          </a:fillRef>
+          <a:effectRef idx="1">
+            <a:schemeClr val="accent1"/>
+          </a:effectRef>
+          <a:fontRef idx="minor">
+            <a:schemeClr val="tx1"/>
+          </a:fontRef>
+        </p:style>
+      </p:cxnSp>
+      <p:cxnSp>
+        <p:nvCxnSpPr>
+          <p:cNvPr id="19" name="Connecteur droit avec flèche 18">
+            <a:extLst>
+              <a:ext uri="{FF2B5EF4-FFF2-40B4-BE49-F238E27FC236}">
+                <a16:creationId xmlns:a16="http://schemas.microsoft.com/office/drawing/2014/main" id="{38F4F22D-8F9F-53B7-CBFF-3AB11D53F076}"/>
+              </a:ext>
+            </a:extLst>
+          </p:cNvPr>
+          <p:cNvCxnSpPr>
+            <a:cxnSpLocks/>
+            <a:stCxn id="13" idx="2"/>
+            <a:endCxn id="11" idx="0"/>
+          </p:cNvCxnSpPr>
+          <p:nvPr/>
+        </p:nvCxnSpPr>
+        <p:spPr>
+          <a:xfrm>
+            <a:off x="2400338" y="4257804"/>
+            <a:ext cx="0" cy="456693"/>
+          </a:xfrm>
+          <a:prstGeom prst="straightConnector1">
+            <a:avLst/>
+          </a:prstGeom>
+          <a:ln>
+            <a:tailEnd type="triangle"/>
+          </a:ln>
+        </p:spPr>
+        <p:style>
+          <a:lnRef idx="2">
+            <a:schemeClr val="accent1"/>
+          </a:lnRef>
+          <a:fillRef idx="0">
+            <a:schemeClr val="accent1"/>
+          </a:fillRef>
+          <a:effectRef idx="1">
+            <a:schemeClr val="accent1"/>
+          </a:effectRef>
+          <a:fontRef idx="minor">
+            <a:schemeClr val="tx1"/>
+          </a:fontRef>
+        </p:style>
+      </p:cxnSp>
+      <p:cxnSp>
+        <p:nvCxnSpPr>
+          <p:cNvPr id="22" name="Connecteur droit avec flèche 21">
+            <a:extLst>
+              <a:ext uri="{FF2B5EF4-FFF2-40B4-BE49-F238E27FC236}">
+                <a16:creationId xmlns:a16="http://schemas.microsoft.com/office/drawing/2014/main" id="{F0695ADB-EE15-7D5D-E753-BCB9DFDF5FA9}"/>
+              </a:ext>
+            </a:extLst>
+          </p:cNvPr>
+          <p:cNvCxnSpPr>
+            <a:cxnSpLocks/>
+            <a:stCxn id="11" idx="2"/>
+            <a:endCxn id="15" idx="0"/>
+          </p:cNvCxnSpPr>
+          <p:nvPr/>
+        </p:nvCxnSpPr>
+        <p:spPr>
+          <a:xfrm>
+            <a:off x="2400338" y="5022274"/>
+            <a:ext cx="0" cy="713015"/>
+          </a:xfrm>
+          <a:prstGeom prst="straightConnector1">
+            <a:avLst/>
+          </a:prstGeom>
+          <a:ln>
+            <a:tailEnd type="triangle"/>
+          </a:ln>
+        </p:spPr>
+        <p:style>
+          <a:lnRef idx="2">
+            <a:schemeClr val="accent1"/>
+          </a:lnRef>
+          <a:fillRef idx="0">
+            <a:schemeClr val="accent1"/>
+          </a:fillRef>
+          <a:effectRef idx="1">
+            <a:schemeClr val="accent1"/>
+          </a:effectRef>
+          <a:fontRef idx="minor">
+            <a:schemeClr val="tx1"/>
+          </a:fontRef>
+        </p:style>
+      </p:cxnSp>
+      <p:pic>
+        <p:nvPicPr>
+          <p:cNvPr id="28" name="Image 27">
+            <a:extLst>
+              <a:ext uri="{FF2B5EF4-FFF2-40B4-BE49-F238E27FC236}">
+                <a16:creationId xmlns:a16="http://schemas.microsoft.com/office/drawing/2014/main" id="{6781B42D-E6F3-FF1E-A2E1-6053668F6D84}"/>
+              </a:ext>
+            </a:extLst>
+          </p:cNvPr>
+          <p:cNvPicPr>
+            <a:picLocks noChangeAspect="1"/>
+          </p:cNvPicPr>
+          <p:nvPr/>
+        </p:nvPicPr>
+        <p:blipFill>
+          <a:blip r:embed="rId4"/>
+          <a:stretch>
+            <a:fillRect/>
+          </a:stretch>
+        </p:blipFill>
+        <p:spPr>
+          <a:xfrm>
+            <a:off x="9386472" y="4486150"/>
+            <a:ext cx="2558247" cy="1971172"/>
+          </a:xfrm>
+          <a:prstGeom prst="rect">
+            <a:avLst/>
+          </a:prstGeom>
+        </p:spPr>
+      </p:pic>
+      <p:cxnSp>
+        <p:nvCxnSpPr>
+          <p:cNvPr id="30" name="Connecteur : en angle 29">
+            <a:extLst>
+              <a:ext uri="{FF2B5EF4-FFF2-40B4-BE49-F238E27FC236}">
+                <a16:creationId xmlns:a16="http://schemas.microsoft.com/office/drawing/2014/main" id="{EF6F567A-0E89-6C3D-9FF3-E6FEE0147D31}"/>
+              </a:ext>
+            </a:extLst>
+          </p:cNvPr>
+          <p:cNvCxnSpPr>
+            <a:stCxn id="23" idx="2"/>
+            <a:endCxn id="9" idx="1"/>
+          </p:cNvCxnSpPr>
+          <p:nvPr/>
+        </p:nvCxnSpPr>
+        <p:spPr>
+          <a:xfrm rot="16200000" flipH="1">
+            <a:off x="2253254" y="1899139"/>
+            <a:ext cx="1214664" cy="920495"/>
+          </a:xfrm>
+          <a:prstGeom prst="bentConnector2">
+            <a:avLst/>
+          </a:prstGeom>
+          <a:ln>
+            <a:tailEnd type="triangle"/>
+          </a:ln>
+        </p:spPr>
+        <p:style>
+          <a:lnRef idx="2">
+            <a:schemeClr val="accent1"/>
+          </a:lnRef>
+          <a:fillRef idx="0">
+            <a:schemeClr val="accent1"/>
+          </a:fillRef>
+          <a:effectRef idx="1">
+            <a:schemeClr val="accent1"/>
+          </a:effectRef>
+          <a:fontRef idx="minor">
+            <a:schemeClr val="tx1"/>
+          </a:fontRef>
+        </p:style>
+      </p:cxnSp>
+      <p:cxnSp>
+        <p:nvCxnSpPr>
+          <p:cNvPr id="31" name="Connecteur : en angle 30">
+            <a:extLst>
+              <a:ext uri="{FF2B5EF4-FFF2-40B4-BE49-F238E27FC236}">
+                <a16:creationId xmlns:a16="http://schemas.microsoft.com/office/drawing/2014/main" id="{29D781E6-2C47-15C9-91A8-8D26701B23F9}"/>
+              </a:ext>
+            </a:extLst>
+          </p:cNvPr>
+          <p:cNvCxnSpPr>
+            <a:cxnSpLocks/>
+            <a:stCxn id="9" idx="2"/>
+            <a:endCxn id="13" idx="0"/>
+          </p:cNvCxnSpPr>
+          <p:nvPr/>
+        </p:nvCxnSpPr>
+        <p:spPr>
+          <a:xfrm rot="5400000">
+            <a:off x="2813903" y="2707042"/>
+            <a:ext cx="829420" cy="1656550"/>
+          </a:xfrm>
+          <a:prstGeom prst="bentConnector3">
+            <a:avLst>
+              <a:gd name="adj1" fmla="val 50000"/>
+            </a:avLst>
+          </a:prstGeom>
+          <a:ln>
+            <a:tailEnd type="triangle"/>
+          </a:ln>
+        </p:spPr>
+        <p:style>
+          <a:lnRef idx="2">
+            <a:schemeClr val="accent1"/>
+          </a:lnRef>
+          <a:fillRef idx="0">
+            <a:schemeClr val="accent1"/>
+          </a:fillRef>
+          <a:effectRef idx="1">
+            <a:schemeClr val="accent1"/>
+          </a:effectRef>
+          <a:fontRef idx="minor">
+            <a:schemeClr val="tx1"/>
+          </a:fontRef>
+        </p:style>
+      </p:cxnSp>
     </p:spTree>
     <p:extLst>
       <p:ext uri="{BB962C8B-B14F-4D97-AF65-F5344CB8AC3E}">
